--- a/Day2.pptx
+++ b/Day2.pptx
@@ -20,6 +20,8 @@
     <p:sldId id="268" r:id="rId14"/>
     <p:sldId id="270" r:id="rId15"/>
     <p:sldId id="269" r:id="rId16"/>
+    <p:sldId id="271" r:id="rId17"/>
+    <p:sldId id="272" r:id="rId18"/>
   </p:sldIdLst>
   <p:sldSz cx="12192000" cy="6858000"/>
   <p:notesSz cx="6858000" cy="9144000"/>
@@ -5447,7 +5449,50 @@
           <a:bodyPr/>
           <a:lstStyle/>
           <a:p>
-            <a:endParaRPr lang="en-IN" dirty="0"/>
+            <a:r>
+              <a:rPr lang="en-GB" dirty="0"/>
+              <a:t>Data model is the modelling of the data description, data semantics and consistency constraints of the data.</a:t>
+            </a:r>
+          </a:p>
+          <a:p>
+            <a:r>
+              <a:rPr lang="en-GB" dirty="0"/>
+              <a:t>It provides the conceptual tools for describing the design of the database at each level data abstraction.</a:t>
+            </a:r>
+          </a:p>
+          <a:p>
+            <a:r>
+              <a:rPr lang="en-GB" dirty="0"/>
+              <a:t>4 types of data models </a:t>
+            </a:r>
+          </a:p>
+          <a:p>
+            <a:pPr lvl="1"/>
+            <a:r>
+              <a:rPr lang="en-GB" dirty="0"/>
+              <a:t>Relational Data model</a:t>
+            </a:r>
+          </a:p>
+          <a:p>
+            <a:pPr lvl="1"/>
+            <a:r>
+              <a:rPr lang="en-GB" dirty="0"/>
+              <a:t>Semi Structured Data Model</a:t>
+            </a:r>
+          </a:p>
+          <a:p>
+            <a:pPr lvl="1"/>
+            <a:r>
+              <a:rPr lang="en-GB" dirty="0"/>
+              <a:t>Entity Relationship Data Model</a:t>
+            </a:r>
+          </a:p>
+          <a:p>
+            <a:pPr lvl="1"/>
+            <a:r>
+              <a:rPr lang="en-GB" dirty="0"/>
+              <a:t>Object Based Data Model</a:t>
+            </a:r>
           </a:p>
         </p:txBody>
       </p:sp>
@@ -5455,6 +5500,270 @@
     <p:extLst>
       <p:ext uri="{BB962C8B-B14F-4D97-AF65-F5344CB8AC3E}">
         <p14:creationId xmlns:p14="http://schemas.microsoft.com/office/powerpoint/2010/main" val="3207411577"/>
+      </p:ext>
+    </p:extLst>
+  </p:cSld>
+  <p:clrMapOvr>
+    <a:masterClrMapping/>
+  </p:clrMapOvr>
+</p:sld>
+</file>
+
+<file path=ppt/slides/slide16.xml><?xml version="1.0" encoding="utf-8"?>
+<p:sld xmlns:a="http://schemas.openxmlformats.org/drawingml/2006/main" xmlns:r="http://schemas.openxmlformats.org/officeDocument/2006/relationships" xmlns:p="http://schemas.openxmlformats.org/presentationml/2006/main">
+  <p:cSld>
+    <p:spTree>
+      <p:nvGrpSpPr>
+        <p:cNvPr id="1" name=""/>
+        <p:cNvGrpSpPr/>
+        <p:nvPr/>
+      </p:nvGrpSpPr>
+      <p:grpSpPr>
+        <a:xfrm>
+          <a:off x="0" y="0"/>
+          <a:ext cx="0" cy="0"/>
+          <a:chOff x="0" y="0"/>
+          <a:chExt cx="0" cy="0"/>
+        </a:xfrm>
+      </p:grpSpPr>
+      <p:sp>
+        <p:nvSpPr>
+          <p:cNvPr id="2" name="Title 1">
+            <a:extLst>
+              <a:ext uri="{FF2B5EF4-FFF2-40B4-BE49-F238E27FC236}">
+                <a16:creationId xmlns:a16="http://schemas.microsoft.com/office/drawing/2014/main" id="{EF79EB9F-1147-4A19-84ED-42B57428AAFB}"/>
+              </a:ext>
+            </a:extLst>
+          </p:cNvPr>
+          <p:cNvSpPr>
+            <a:spLocks noGrp="1"/>
+          </p:cNvSpPr>
+          <p:nvPr>
+            <p:ph type="title"/>
+          </p:nvPr>
+        </p:nvSpPr>
+        <p:spPr/>
+        <p:txBody>
+          <a:bodyPr/>
+          <a:lstStyle/>
+          <a:p>
+            <a:r>
+              <a:rPr lang="en-GB" dirty="0"/>
+              <a:t>Relational Data Model</a:t>
+            </a:r>
+            <a:endParaRPr lang="en-IN" dirty="0"/>
+          </a:p>
+        </p:txBody>
+      </p:sp>
+      <p:sp>
+        <p:nvSpPr>
+          <p:cNvPr id="3" name="Content Placeholder 2">
+            <a:extLst>
+              <a:ext uri="{FF2B5EF4-FFF2-40B4-BE49-F238E27FC236}">
+                <a16:creationId xmlns:a16="http://schemas.microsoft.com/office/drawing/2014/main" id="{290E34D3-BC3A-493E-B84A-56921DEA25E7}"/>
+              </a:ext>
+            </a:extLst>
+          </p:cNvPr>
+          <p:cNvSpPr>
+            <a:spLocks noGrp="1"/>
+          </p:cNvSpPr>
+          <p:nvPr>
+            <p:ph idx="1"/>
+          </p:nvPr>
+        </p:nvSpPr>
+        <p:spPr/>
+        <p:txBody>
+          <a:bodyPr/>
+          <a:lstStyle/>
+          <a:p>
+            <a:r>
+              <a:rPr lang="en-GB" dirty="0"/>
+              <a:t>This type of model designs the data in the form of rows and columns with in the table.</a:t>
+            </a:r>
+          </a:p>
+          <a:p>
+            <a:r>
+              <a:rPr lang="en-GB" dirty="0"/>
+              <a:t>Thus, a relational model uses tables for representing data and in-between relationships.</a:t>
+            </a:r>
+          </a:p>
+          <a:p>
+            <a:r>
+              <a:rPr lang="en-GB" dirty="0"/>
+              <a:t>Tables are also called as relations.</a:t>
+            </a:r>
+          </a:p>
+          <a:p>
+            <a:r>
+              <a:rPr lang="en-GB" dirty="0"/>
+              <a:t>This model was initially described by Edgar f. Codd in 1969.</a:t>
+            </a:r>
+          </a:p>
+          <a:p>
+            <a:r>
+              <a:rPr lang="en-GB" dirty="0"/>
+              <a:t>This relational data model is the widely used model which is primarily used by commercial data processing applications.</a:t>
+            </a:r>
+          </a:p>
+          <a:p>
+            <a:endParaRPr lang="en-IN" dirty="0"/>
+          </a:p>
+        </p:txBody>
+      </p:sp>
+    </p:spTree>
+    <p:extLst>
+      <p:ext uri="{BB962C8B-B14F-4D97-AF65-F5344CB8AC3E}">
+        <p14:creationId xmlns:p14="http://schemas.microsoft.com/office/powerpoint/2010/main" val="2525128259"/>
+      </p:ext>
+    </p:extLst>
+  </p:cSld>
+  <p:clrMapOvr>
+    <a:masterClrMapping/>
+  </p:clrMapOvr>
+</p:sld>
+</file>
+
+<file path=ppt/slides/slide17.xml><?xml version="1.0" encoding="utf-8"?>
+<p:sld xmlns:a="http://schemas.openxmlformats.org/drawingml/2006/main" xmlns:r="http://schemas.openxmlformats.org/officeDocument/2006/relationships" xmlns:p="http://schemas.openxmlformats.org/presentationml/2006/main">
+  <p:cSld>
+    <p:spTree>
+      <p:nvGrpSpPr>
+        <p:cNvPr id="1" name=""/>
+        <p:cNvGrpSpPr/>
+        <p:nvPr/>
+      </p:nvGrpSpPr>
+      <p:grpSpPr>
+        <a:xfrm>
+          <a:off x="0" y="0"/>
+          <a:ext cx="0" cy="0"/>
+          <a:chOff x="0" y="0"/>
+          <a:chExt cx="0" cy="0"/>
+        </a:xfrm>
+      </p:grpSpPr>
+      <p:sp>
+        <p:nvSpPr>
+          <p:cNvPr id="2" name="Title 1">
+            <a:extLst>
+              <a:ext uri="{FF2B5EF4-FFF2-40B4-BE49-F238E27FC236}">
+                <a16:creationId xmlns:a16="http://schemas.microsoft.com/office/drawing/2014/main" id="{353C9AAE-3264-4BD4-8BFD-0D5C19C0AD14}"/>
+              </a:ext>
+            </a:extLst>
+          </p:cNvPr>
+          <p:cNvSpPr>
+            <a:spLocks noGrp="1"/>
+          </p:cNvSpPr>
+          <p:nvPr>
+            <p:ph type="title"/>
+          </p:nvPr>
+        </p:nvSpPr>
+        <p:spPr/>
+        <p:txBody>
+          <a:bodyPr/>
+          <a:lstStyle/>
+          <a:p>
+            <a:r>
+              <a:rPr lang="en-GB" dirty="0"/>
+              <a:t>Entity-Relationship Data Model</a:t>
+            </a:r>
+            <a:endParaRPr lang="en-IN" dirty="0"/>
+          </a:p>
+        </p:txBody>
+      </p:sp>
+      <p:sp>
+        <p:nvSpPr>
+          <p:cNvPr id="3" name="Content Placeholder 2">
+            <a:extLst>
+              <a:ext uri="{FF2B5EF4-FFF2-40B4-BE49-F238E27FC236}">
+                <a16:creationId xmlns:a16="http://schemas.microsoft.com/office/drawing/2014/main" id="{068483C1-AE17-4D25-B5C8-04455FA44CDB}"/>
+              </a:ext>
+            </a:extLst>
+          </p:cNvPr>
+          <p:cNvSpPr>
+            <a:spLocks noGrp="1"/>
+          </p:cNvSpPr>
+          <p:nvPr>
+            <p:ph idx="1"/>
+          </p:nvPr>
+        </p:nvSpPr>
+        <p:spPr/>
+        <p:txBody>
+          <a:bodyPr>
+            <a:normAutofit lnSpcReduction="10000"/>
+          </a:bodyPr>
+          <a:lstStyle/>
+          <a:p>
+            <a:r>
+              <a:rPr lang="en-GB" dirty="0"/>
+              <a:t>An ER Model is the logical representation of the data as objects and relationship among them.</a:t>
+            </a:r>
+          </a:p>
+          <a:p>
+            <a:r>
+              <a:rPr lang="en-GB" dirty="0"/>
+              <a:t>These objects are known as entities and relationship is an </a:t>
+            </a:r>
+            <a:r>
+              <a:rPr lang="en-GB"/>
+              <a:t>association among </a:t>
+            </a:r>
+            <a:r>
+              <a:rPr lang="en-GB" dirty="0"/>
+              <a:t>the entities</a:t>
+            </a:r>
+          </a:p>
+          <a:p>
+            <a:r>
+              <a:rPr lang="en-GB" dirty="0"/>
+              <a:t>This model was designed by Peter chen and Published in 1976.</a:t>
+            </a:r>
+          </a:p>
+          <a:p>
+            <a:r>
+              <a:rPr lang="en-GB" dirty="0"/>
+              <a:t>This model widely used in database designing</a:t>
+            </a:r>
+          </a:p>
+          <a:p>
+            <a:r>
+              <a:rPr lang="en-GB" dirty="0"/>
+              <a:t>A set of attributes describe the entities(</a:t>
+            </a:r>
+            <a:r>
+              <a:rPr lang="en-GB" dirty="0" err="1"/>
+              <a:t>student_name</a:t>
+            </a:r>
+            <a:r>
+              <a:rPr lang="en-GB" dirty="0"/>
+              <a:t>, </a:t>
+            </a:r>
+            <a:r>
+              <a:rPr lang="en-GB" dirty="0" err="1"/>
+              <a:t>student_id</a:t>
+            </a:r>
+            <a:r>
+              <a:rPr lang="en-GB" dirty="0"/>
+              <a:t>)</a:t>
+            </a:r>
+          </a:p>
+          <a:p>
+            <a:r>
+              <a:rPr lang="en-GB" dirty="0"/>
+              <a:t>A set of entities that got relationship among them they call it as entities set</a:t>
+            </a:r>
+          </a:p>
+          <a:p>
+            <a:r>
+              <a:rPr lang="en-GB" dirty="0"/>
+              <a:t>And set of same type of relationship is knows as relations set.</a:t>
+            </a:r>
+            <a:endParaRPr lang="en-IN" dirty="0"/>
+          </a:p>
+        </p:txBody>
+      </p:sp>
+    </p:spTree>
+    <p:extLst>
+      <p:ext uri="{BB962C8B-B14F-4D97-AF65-F5344CB8AC3E}">
+        <p14:creationId xmlns:p14="http://schemas.microsoft.com/office/powerpoint/2010/main" val="1218908445"/>
       </p:ext>
     </p:extLst>
   </p:cSld>
